--- a/Project_presentation.pptx
+++ b/Project_presentation.pptx
@@ -12,19 +12,6 @@
     <p:sldId id="261" r:id="rId6"/>
     <p:sldId id="262" r:id="rId7"/>
     <p:sldId id="263" r:id="rId8"/>
-    <p:sldId id="264" r:id="rId9"/>
-    <p:sldId id="265" r:id="rId10"/>
-    <p:sldId id="258" r:id="rId11"/>
-    <p:sldId id="266" r:id="rId12"/>
-    <p:sldId id="267" r:id="rId13"/>
-    <p:sldId id="268" r:id="rId14"/>
-    <p:sldId id="269" r:id="rId15"/>
-    <p:sldId id="270" r:id="rId16"/>
-    <p:sldId id="271" r:id="rId17"/>
-    <p:sldId id="272" r:id="rId18"/>
-    <p:sldId id="273" r:id="rId19"/>
-    <p:sldId id="274" r:id="rId20"/>
-    <p:sldId id="275" r:id="rId21"/>
   </p:sldIdLst>
   <p:sldSz cx="12192000" cy="6858000"/>
   <p:notesSz cx="6858000" cy="9144000"/>
@@ -3054,13 +3041,6 @@
               </a:rPr>
               <a:t>Игра Жизнь</a:t>
             </a:r>
-            <a:endParaRPr lang="ru-RU" dirty="0">
-              <a:solidFill>
-                <a:schemeClr val="bg1"/>
-              </a:solidFill>
-              <a:latin typeface="Microsoft YaHei" panose="020B0503020204020204" pitchFamily="34" charset="-122"/>
-              <a:ea typeface="Microsoft YaHei" panose="020B0503020204020204" pitchFamily="34" charset="-122"/>
-            </a:endParaRPr>
           </a:p>
         </p:txBody>
       </p:sp>
@@ -3156,836 +3136,6 @@
     <p:extLst>
       <p:ext uri="{BB962C8B-B14F-4D97-AF65-F5344CB8AC3E}">
         <p14:creationId xmlns:p14="http://schemas.microsoft.com/office/powerpoint/2010/main" val="2982186905"/>
-      </p:ext>
-    </p:extLst>
-  </p:cSld>
-  <p:clrMapOvr>
-    <a:masterClrMapping/>
-  </p:clrMapOvr>
-</p:sld>
-</file>
-
-<file path=ppt/slides/slide10.xml><?xml version="1.0" encoding="utf-8"?>
-<p:sld xmlns:a="http://schemas.openxmlformats.org/drawingml/2006/main" xmlns:r="http://schemas.openxmlformats.org/officeDocument/2006/relationships" xmlns:p="http://schemas.openxmlformats.org/presentationml/2006/main">
-  <p:cSld>
-    <p:bg>
-      <p:bgPr>
-        <a:blipFill dpi="0" rotWithShape="1">
-          <a:blip r:embed="rId2">
-            <a:alphaModFix amt="50000"/>
-            <a:lum/>
-          </a:blip>
-          <a:srcRect/>
-          <a:stretch>
-            <a:fillRect t="-10000" b="-10000"/>
-          </a:stretch>
-        </a:blipFill>
-        <a:effectLst/>
-      </p:bgPr>
-    </p:bg>
-    <p:spTree>
-      <p:nvGrpSpPr>
-        <p:cNvPr id="1" name=""/>
-        <p:cNvGrpSpPr/>
-        <p:nvPr/>
-      </p:nvGrpSpPr>
-      <p:grpSpPr>
-        <a:xfrm>
-          <a:off x="0" y="0"/>
-          <a:ext cx="0" cy="0"/>
-          <a:chOff x="0" y="0"/>
-          <a:chExt cx="0" cy="0"/>
-        </a:xfrm>
-      </p:grpSpPr>
-      <p:sp>
-        <p:nvSpPr>
-          <p:cNvPr id="2" name="Заголовок 1"/>
-          <p:cNvSpPr>
-            <a:spLocks noGrp="1"/>
-          </p:cNvSpPr>
-          <p:nvPr>
-            <p:ph type="title"/>
-          </p:nvPr>
-        </p:nvSpPr>
-        <p:spPr/>
-        <p:txBody>
-          <a:bodyPr/>
-          <a:lstStyle/>
-          <a:p>
-            <a:endParaRPr lang="ru-RU"/>
-          </a:p>
-        </p:txBody>
-      </p:sp>
-      <p:sp>
-        <p:nvSpPr>
-          <p:cNvPr id="3" name="Объект 2"/>
-          <p:cNvSpPr>
-            <a:spLocks noGrp="1"/>
-          </p:cNvSpPr>
-          <p:nvPr>
-            <p:ph idx="1"/>
-          </p:nvPr>
-        </p:nvSpPr>
-        <p:spPr/>
-        <p:txBody>
-          <a:bodyPr/>
-          <a:lstStyle/>
-          <a:p>
-            <a:endParaRPr lang="ru-RU"/>
-          </a:p>
-        </p:txBody>
-      </p:sp>
-    </p:spTree>
-    <p:extLst>
-      <p:ext uri="{BB962C8B-B14F-4D97-AF65-F5344CB8AC3E}">
-        <p14:creationId xmlns:p14="http://schemas.microsoft.com/office/powerpoint/2010/main" val="4279980824"/>
-      </p:ext>
-    </p:extLst>
-  </p:cSld>
-  <p:clrMapOvr>
-    <a:masterClrMapping/>
-  </p:clrMapOvr>
-</p:sld>
-</file>
-
-<file path=ppt/slides/slide11.xml><?xml version="1.0" encoding="utf-8"?>
-<p:sld xmlns:a="http://schemas.openxmlformats.org/drawingml/2006/main" xmlns:r="http://schemas.openxmlformats.org/officeDocument/2006/relationships" xmlns:p="http://schemas.openxmlformats.org/presentationml/2006/main">
-  <p:cSld>
-    <p:bg>
-      <p:bgPr>
-        <a:blipFill dpi="0" rotWithShape="1">
-          <a:blip r:embed="rId2">
-            <a:alphaModFix amt="50000"/>
-            <a:lum/>
-          </a:blip>
-          <a:srcRect/>
-          <a:stretch>
-            <a:fillRect t="-10000" b="-10000"/>
-          </a:stretch>
-        </a:blipFill>
-        <a:effectLst/>
-      </p:bgPr>
-    </p:bg>
-    <p:spTree>
-      <p:nvGrpSpPr>
-        <p:cNvPr id="1" name=""/>
-        <p:cNvGrpSpPr/>
-        <p:nvPr/>
-      </p:nvGrpSpPr>
-      <p:grpSpPr>
-        <a:xfrm>
-          <a:off x="0" y="0"/>
-          <a:ext cx="0" cy="0"/>
-          <a:chOff x="0" y="0"/>
-          <a:chExt cx="0" cy="0"/>
-        </a:xfrm>
-      </p:grpSpPr>
-      <p:sp>
-        <p:nvSpPr>
-          <p:cNvPr id="2" name="Заголовок 1"/>
-          <p:cNvSpPr>
-            <a:spLocks noGrp="1"/>
-          </p:cNvSpPr>
-          <p:nvPr>
-            <p:ph type="title"/>
-          </p:nvPr>
-        </p:nvSpPr>
-        <p:spPr/>
-        <p:txBody>
-          <a:bodyPr/>
-          <a:lstStyle/>
-          <a:p>
-            <a:endParaRPr lang="ru-RU"/>
-          </a:p>
-        </p:txBody>
-      </p:sp>
-      <p:sp>
-        <p:nvSpPr>
-          <p:cNvPr id="3" name="Объект 2"/>
-          <p:cNvSpPr>
-            <a:spLocks noGrp="1"/>
-          </p:cNvSpPr>
-          <p:nvPr>
-            <p:ph idx="1"/>
-          </p:nvPr>
-        </p:nvSpPr>
-        <p:spPr/>
-        <p:txBody>
-          <a:bodyPr/>
-          <a:lstStyle/>
-          <a:p>
-            <a:endParaRPr lang="ru-RU"/>
-          </a:p>
-        </p:txBody>
-      </p:sp>
-    </p:spTree>
-    <p:extLst>
-      <p:ext uri="{BB962C8B-B14F-4D97-AF65-F5344CB8AC3E}">
-        <p14:creationId xmlns:p14="http://schemas.microsoft.com/office/powerpoint/2010/main" val="504191449"/>
-      </p:ext>
-    </p:extLst>
-  </p:cSld>
-  <p:clrMapOvr>
-    <a:masterClrMapping/>
-  </p:clrMapOvr>
-</p:sld>
-</file>
-
-<file path=ppt/slides/slide12.xml><?xml version="1.0" encoding="utf-8"?>
-<p:sld xmlns:a="http://schemas.openxmlformats.org/drawingml/2006/main" xmlns:r="http://schemas.openxmlformats.org/officeDocument/2006/relationships" xmlns:p="http://schemas.openxmlformats.org/presentationml/2006/main">
-  <p:cSld>
-    <p:bg>
-      <p:bgPr>
-        <a:blipFill dpi="0" rotWithShape="1">
-          <a:blip r:embed="rId2">
-            <a:alphaModFix amt="50000"/>
-            <a:lum/>
-          </a:blip>
-          <a:srcRect/>
-          <a:stretch>
-            <a:fillRect t="-10000" b="-10000"/>
-          </a:stretch>
-        </a:blipFill>
-        <a:effectLst/>
-      </p:bgPr>
-    </p:bg>
-    <p:spTree>
-      <p:nvGrpSpPr>
-        <p:cNvPr id="1" name=""/>
-        <p:cNvGrpSpPr/>
-        <p:nvPr/>
-      </p:nvGrpSpPr>
-      <p:grpSpPr>
-        <a:xfrm>
-          <a:off x="0" y="0"/>
-          <a:ext cx="0" cy="0"/>
-          <a:chOff x="0" y="0"/>
-          <a:chExt cx="0" cy="0"/>
-        </a:xfrm>
-      </p:grpSpPr>
-      <p:sp>
-        <p:nvSpPr>
-          <p:cNvPr id="2" name="Заголовок 1"/>
-          <p:cNvSpPr>
-            <a:spLocks noGrp="1"/>
-          </p:cNvSpPr>
-          <p:nvPr>
-            <p:ph type="title"/>
-          </p:nvPr>
-        </p:nvSpPr>
-        <p:spPr/>
-        <p:txBody>
-          <a:bodyPr/>
-          <a:lstStyle/>
-          <a:p>
-            <a:endParaRPr lang="ru-RU"/>
-          </a:p>
-        </p:txBody>
-      </p:sp>
-      <p:sp>
-        <p:nvSpPr>
-          <p:cNvPr id="3" name="Объект 2"/>
-          <p:cNvSpPr>
-            <a:spLocks noGrp="1"/>
-          </p:cNvSpPr>
-          <p:nvPr>
-            <p:ph idx="1"/>
-          </p:nvPr>
-        </p:nvSpPr>
-        <p:spPr/>
-        <p:txBody>
-          <a:bodyPr/>
-          <a:lstStyle/>
-          <a:p>
-            <a:endParaRPr lang="ru-RU"/>
-          </a:p>
-        </p:txBody>
-      </p:sp>
-    </p:spTree>
-    <p:extLst>
-      <p:ext uri="{BB962C8B-B14F-4D97-AF65-F5344CB8AC3E}">
-        <p14:creationId xmlns:p14="http://schemas.microsoft.com/office/powerpoint/2010/main" val="4122487268"/>
-      </p:ext>
-    </p:extLst>
-  </p:cSld>
-  <p:clrMapOvr>
-    <a:masterClrMapping/>
-  </p:clrMapOvr>
-</p:sld>
-</file>
-
-<file path=ppt/slides/slide13.xml><?xml version="1.0" encoding="utf-8"?>
-<p:sld xmlns:a="http://schemas.openxmlformats.org/drawingml/2006/main" xmlns:r="http://schemas.openxmlformats.org/officeDocument/2006/relationships" xmlns:p="http://schemas.openxmlformats.org/presentationml/2006/main">
-  <p:cSld>
-    <p:bg>
-      <p:bgPr>
-        <a:blipFill dpi="0" rotWithShape="1">
-          <a:blip r:embed="rId2">
-            <a:alphaModFix amt="50000"/>
-            <a:lum/>
-          </a:blip>
-          <a:srcRect/>
-          <a:stretch>
-            <a:fillRect t="-10000" b="-10000"/>
-          </a:stretch>
-        </a:blipFill>
-        <a:effectLst/>
-      </p:bgPr>
-    </p:bg>
-    <p:spTree>
-      <p:nvGrpSpPr>
-        <p:cNvPr id="1" name=""/>
-        <p:cNvGrpSpPr/>
-        <p:nvPr/>
-      </p:nvGrpSpPr>
-      <p:grpSpPr>
-        <a:xfrm>
-          <a:off x="0" y="0"/>
-          <a:ext cx="0" cy="0"/>
-          <a:chOff x="0" y="0"/>
-          <a:chExt cx="0" cy="0"/>
-        </a:xfrm>
-      </p:grpSpPr>
-      <p:sp>
-        <p:nvSpPr>
-          <p:cNvPr id="2" name="Заголовок 1"/>
-          <p:cNvSpPr>
-            <a:spLocks noGrp="1"/>
-          </p:cNvSpPr>
-          <p:nvPr>
-            <p:ph type="title"/>
-          </p:nvPr>
-        </p:nvSpPr>
-        <p:spPr/>
-        <p:txBody>
-          <a:bodyPr/>
-          <a:lstStyle/>
-          <a:p>
-            <a:endParaRPr lang="ru-RU"/>
-          </a:p>
-        </p:txBody>
-      </p:sp>
-      <p:sp>
-        <p:nvSpPr>
-          <p:cNvPr id="3" name="Объект 2"/>
-          <p:cNvSpPr>
-            <a:spLocks noGrp="1"/>
-          </p:cNvSpPr>
-          <p:nvPr>
-            <p:ph idx="1"/>
-          </p:nvPr>
-        </p:nvSpPr>
-        <p:spPr/>
-        <p:txBody>
-          <a:bodyPr/>
-          <a:lstStyle/>
-          <a:p>
-            <a:endParaRPr lang="ru-RU"/>
-          </a:p>
-        </p:txBody>
-      </p:sp>
-    </p:spTree>
-    <p:extLst>
-      <p:ext uri="{BB962C8B-B14F-4D97-AF65-F5344CB8AC3E}">
-        <p14:creationId xmlns:p14="http://schemas.microsoft.com/office/powerpoint/2010/main" val="3814096615"/>
-      </p:ext>
-    </p:extLst>
-  </p:cSld>
-  <p:clrMapOvr>
-    <a:masterClrMapping/>
-  </p:clrMapOvr>
-</p:sld>
-</file>
-
-<file path=ppt/slides/slide14.xml><?xml version="1.0" encoding="utf-8"?>
-<p:sld xmlns:a="http://schemas.openxmlformats.org/drawingml/2006/main" xmlns:r="http://schemas.openxmlformats.org/officeDocument/2006/relationships" xmlns:p="http://schemas.openxmlformats.org/presentationml/2006/main">
-  <p:cSld>
-    <p:bg>
-      <p:bgPr>
-        <a:blipFill dpi="0" rotWithShape="1">
-          <a:blip r:embed="rId2">
-            <a:alphaModFix amt="50000"/>
-            <a:lum/>
-          </a:blip>
-          <a:srcRect/>
-          <a:stretch>
-            <a:fillRect t="-10000" b="-10000"/>
-          </a:stretch>
-        </a:blipFill>
-        <a:effectLst/>
-      </p:bgPr>
-    </p:bg>
-    <p:spTree>
-      <p:nvGrpSpPr>
-        <p:cNvPr id="1" name=""/>
-        <p:cNvGrpSpPr/>
-        <p:nvPr/>
-      </p:nvGrpSpPr>
-      <p:grpSpPr>
-        <a:xfrm>
-          <a:off x="0" y="0"/>
-          <a:ext cx="0" cy="0"/>
-          <a:chOff x="0" y="0"/>
-          <a:chExt cx="0" cy="0"/>
-        </a:xfrm>
-      </p:grpSpPr>
-      <p:sp>
-        <p:nvSpPr>
-          <p:cNvPr id="2" name="Заголовок 1"/>
-          <p:cNvSpPr>
-            <a:spLocks noGrp="1"/>
-          </p:cNvSpPr>
-          <p:nvPr>
-            <p:ph type="title"/>
-          </p:nvPr>
-        </p:nvSpPr>
-        <p:spPr/>
-        <p:txBody>
-          <a:bodyPr/>
-          <a:lstStyle/>
-          <a:p>
-            <a:endParaRPr lang="ru-RU"/>
-          </a:p>
-        </p:txBody>
-      </p:sp>
-      <p:sp>
-        <p:nvSpPr>
-          <p:cNvPr id="3" name="Объект 2"/>
-          <p:cNvSpPr>
-            <a:spLocks noGrp="1"/>
-          </p:cNvSpPr>
-          <p:nvPr>
-            <p:ph idx="1"/>
-          </p:nvPr>
-        </p:nvSpPr>
-        <p:spPr/>
-        <p:txBody>
-          <a:bodyPr/>
-          <a:lstStyle/>
-          <a:p>
-            <a:endParaRPr lang="ru-RU"/>
-          </a:p>
-        </p:txBody>
-      </p:sp>
-    </p:spTree>
-    <p:extLst>
-      <p:ext uri="{BB962C8B-B14F-4D97-AF65-F5344CB8AC3E}">
-        <p14:creationId xmlns:p14="http://schemas.microsoft.com/office/powerpoint/2010/main" val="2690028972"/>
-      </p:ext>
-    </p:extLst>
-  </p:cSld>
-  <p:clrMapOvr>
-    <a:masterClrMapping/>
-  </p:clrMapOvr>
-</p:sld>
-</file>
-
-<file path=ppt/slides/slide15.xml><?xml version="1.0" encoding="utf-8"?>
-<p:sld xmlns:a="http://schemas.openxmlformats.org/drawingml/2006/main" xmlns:r="http://schemas.openxmlformats.org/officeDocument/2006/relationships" xmlns:p="http://schemas.openxmlformats.org/presentationml/2006/main">
-  <p:cSld>
-    <p:bg>
-      <p:bgPr>
-        <a:blipFill dpi="0" rotWithShape="1">
-          <a:blip r:embed="rId2">
-            <a:alphaModFix amt="50000"/>
-            <a:lum/>
-          </a:blip>
-          <a:srcRect/>
-          <a:stretch>
-            <a:fillRect t="-10000" b="-10000"/>
-          </a:stretch>
-        </a:blipFill>
-        <a:effectLst/>
-      </p:bgPr>
-    </p:bg>
-    <p:spTree>
-      <p:nvGrpSpPr>
-        <p:cNvPr id="1" name=""/>
-        <p:cNvGrpSpPr/>
-        <p:nvPr/>
-      </p:nvGrpSpPr>
-      <p:grpSpPr>
-        <a:xfrm>
-          <a:off x="0" y="0"/>
-          <a:ext cx="0" cy="0"/>
-          <a:chOff x="0" y="0"/>
-          <a:chExt cx="0" cy="0"/>
-        </a:xfrm>
-      </p:grpSpPr>
-      <p:sp>
-        <p:nvSpPr>
-          <p:cNvPr id="2" name="Заголовок 1"/>
-          <p:cNvSpPr>
-            <a:spLocks noGrp="1"/>
-          </p:cNvSpPr>
-          <p:nvPr>
-            <p:ph type="title"/>
-          </p:nvPr>
-        </p:nvSpPr>
-        <p:spPr/>
-        <p:txBody>
-          <a:bodyPr/>
-          <a:lstStyle/>
-          <a:p>
-            <a:endParaRPr lang="ru-RU"/>
-          </a:p>
-        </p:txBody>
-      </p:sp>
-      <p:sp>
-        <p:nvSpPr>
-          <p:cNvPr id="3" name="Объект 2"/>
-          <p:cNvSpPr>
-            <a:spLocks noGrp="1"/>
-          </p:cNvSpPr>
-          <p:nvPr>
-            <p:ph idx="1"/>
-          </p:nvPr>
-        </p:nvSpPr>
-        <p:spPr/>
-        <p:txBody>
-          <a:bodyPr/>
-          <a:lstStyle/>
-          <a:p>
-            <a:endParaRPr lang="ru-RU"/>
-          </a:p>
-        </p:txBody>
-      </p:sp>
-    </p:spTree>
-    <p:extLst>
-      <p:ext uri="{BB962C8B-B14F-4D97-AF65-F5344CB8AC3E}">
-        <p14:creationId xmlns:p14="http://schemas.microsoft.com/office/powerpoint/2010/main" val="2591554815"/>
-      </p:ext>
-    </p:extLst>
-  </p:cSld>
-  <p:clrMapOvr>
-    <a:masterClrMapping/>
-  </p:clrMapOvr>
-</p:sld>
-</file>
-
-<file path=ppt/slides/slide16.xml><?xml version="1.0" encoding="utf-8"?>
-<p:sld xmlns:a="http://schemas.openxmlformats.org/drawingml/2006/main" xmlns:r="http://schemas.openxmlformats.org/officeDocument/2006/relationships" xmlns:p="http://schemas.openxmlformats.org/presentationml/2006/main">
-  <p:cSld>
-    <p:bg>
-      <p:bgPr>
-        <a:blipFill dpi="0" rotWithShape="1">
-          <a:blip r:embed="rId2">
-            <a:alphaModFix amt="50000"/>
-            <a:lum/>
-          </a:blip>
-          <a:srcRect/>
-          <a:stretch>
-            <a:fillRect t="-10000" b="-10000"/>
-          </a:stretch>
-        </a:blipFill>
-        <a:effectLst/>
-      </p:bgPr>
-    </p:bg>
-    <p:spTree>
-      <p:nvGrpSpPr>
-        <p:cNvPr id="1" name=""/>
-        <p:cNvGrpSpPr/>
-        <p:nvPr/>
-      </p:nvGrpSpPr>
-      <p:grpSpPr>
-        <a:xfrm>
-          <a:off x="0" y="0"/>
-          <a:ext cx="0" cy="0"/>
-          <a:chOff x="0" y="0"/>
-          <a:chExt cx="0" cy="0"/>
-        </a:xfrm>
-      </p:grpSpPr>
-      <p:sp>
-        <p:nvSpPr>
-          <p:cNvPr id="2" name="Заголовок 1"/>
-          <p:cNvSpPr>
-            <a:spLocks noGrp="1"/>
-          </p:cNvSpPr>
-          <p:nvPr>
-            <p:ph type="title"/>
-          </p:nvPr>
-        </p:nvSpPr>
-        <p:spPr/>
-        <p:txBody>
-          <a:bodyPr/>
-          <a:lstStyle/>
-          <a:p>
-            <a:endParaRPr lang="ru-RU"/>
-          </a:p>
-        </p:txBody>
-      </p:sp>
-      <p:sp>
-        <p:nvSpPr>
-          <p:cNvPr id="3" name="Объект 2"/>
-          <p:cNvSpPr>
-            <a:spLocks noGrp="1"/>
-          </p:cNvSpPr>
-          <p:nvPr>
-            <p:ph idx="1"/>
-          </p:nvPr>
-        </p:nvSpPr>
-        <p:spPr/>
-        <p:txBody>
-          <a:bodyPr/>
-          <a:lstStyle/>
-          <a:p>
-            <a:endParaRPr lang="ru-RU"/>
-          </a:p>
-        </p:txBody>
-      </p:sp>
-    </p:spTree>
-    <p:extLst>
-      <p:ext uri="{BB962C8B-B14F-4D97-AF65-F5344CB8AC3E}">
-        <p14:creationId xmlns:p14="http://schemas.microsoft.com/office/powerpoint/2010/main" val="2595783629"/>
-      </p:ext>
-    </p:extLst>
-  </p:cSld>
-  <p:clrMapOvr>
-    <a:masterClrMapping/>
-  </p:clrMapOvr>
-</p:sld>
-</file>
-
-<file path=ppt/slides/slide17.xml><?xml version="1.0" encoding="utf-8"?>
-<p:sld xmlns:a="http://schemas.openxmlformats.org/drawingml/2006/main" xmlns:r="http://schemas.openxmlformats.org/officeDocument/2006/relationships" xmlns:p="http://schemas.openxmlformats.org/presentationml/2006/main">
-  <p:cSld>
-    <p:bg>
-      <p:bgPr>
-        <a:blipFill dpi="0" rotWithShape="1">
-          <a:blip r:embed="rId2">
-            <a:alphaModFix amt="50000"/>
-            <a:lum/>
-          </a:blip>
-          <a:srcRect/>
-          <a:stretch>
-            <a:fillRect t="-10000" b="-10000"/>
-          </a:stretch>
-        </a:blipFill>
-        <a:effectLst/>
-      </p:bgPr>
-    </p:bg>
-    <p:spTree>
-      <p:nvGrpSpPr>
-        <p:cNvPr id="1" name=""/>
-        <p:cNvGrpSpPr/>
-        <p:nvPr/>
-      </p:nvGrpSpPr>
-      <p:grpSpPr>
-        <a:xfrm>
-          <a:off x="0" y="0"/>
-          <a:ext cx="0" cy="0"/>
-          <a:chOff x="0" y="0"/>
-          <a:chExt cx="0" cy="0"/>
-        </a:xfrm>
-      </p:grpSpPr>
-      <p:sp>
-        <p:nvSpPr>
-          <p:cNvPr id="2" name="Заголовок 1"/>
-          <p:cNvSpPr>
-            <a:spLocks noGrp="1"/>
-          </p:cNvSpPr>
-          <p:nvPr>
-            <p:ph type="title"/>
-          </p:nvPr>
-        </p:nvSpPr>
-        <p:spPr/>
-        <p:txBody>
-          <a:bodyPr/>
-          <a:lstStyle/>
-          <a:p>
-            <a:endParaRPr lang="ru-RU"/>
-          </a:p>
-        </p:txBody>
-      </p:sp>
-      <p:sp>
-        <p:nvSpPr>
-          <p:cNvPr id="3" name="Объект 2"/>
-          <p:cNvSpPr>
-            <a:spLocks noGrp="1"/>
-          </p:cNvSpPr>
-          <p:nvPr>
-            <p:ph idx="1"/>
-          </p:nvPr>
-        </p:nvSpPr>
-        <p:spPr/>
-        <p:txBody>
-          <a:bodyPr/>
-          <a:lstStyle/>
-          <a:p>
-            <a:endParaRPr lang="ru-RU"/>
-          </a:p>
-        </p:txBody>
-      </p:sp>
-    </p:spTree>
-    <p:extLst>
-      <p:ext uri="{BB962C8B-B14F-4D97-AF65-F5344CB8AC3E}">
-        <p14:creationId xmlns:p14="http://schemas.microsoft.com/office/powerpoint/2010/main" val="2791894890"/>
-      </p:ext>
-    </p:extLst>
-  </p:cSld>
-  <p:clrMapOvr>
-    <a:masterClrMapping/>
-  </p:clrMapOvr>
-</p:sld>
-</file>
-
-<file path=ppt/slides/slide18.xml><?xml version="1.0" encoding="utf-8"?>
-<p:sld xmlns:a="http://schemas.openxmlformats.org/drawingml/2006/main" xmlns:r="http://schemas.openxmlformats.org/officeDocument/2006/relationships" xmlns:p="http://schemas.openxmlformats.org/presentationml/2006/main">
-  <p:cSld>
-    <p:bg>
-      <p:bgPr>
-        <a:blipFill dpi="0" rotWithShape="1">
-          <a:blip r:embed="rId2">
-            <a:alphaModFix amt="50000"/>
-            <a:lum/>
-          </a:blip>
-          <a:srcRect/>
-          <a:stretch>
-            <a:fillRect t="-10000" b="-10000"/>
-          </a:stretch>
-        </a:blipFill>
-        <a:effectLst/>
-      </p:bgPr>
-    </p:bg>
-    <p:spTree>
-      <p:nvGrpSpPr>
-        <p:cNvPr id="1" name=""/>
-        <p:cNvGrpSpPr/>
-        <p:nvPr/>
-      </p:nvGrpSpPr>
-      <p:grpSpPr>
-        <a:xfrm>
-          <a:off x="0" y="0"/>
-          <a:ext cx="0" cy="0"/>
-          <a:chOff x="0" y="0"/>
-          <a:chExt cx="0" cy="0"/>
-        </a:xfrm>
-      </p:grpSpPr>
-      <p:sp>
-        <p:nvSpPr>
-          <p:cNvPr id="2" name="Заголовок 1"/>
-          <p:cNvSpPr>
-            <a:spLocks noGrp="1"/>
-          </p:cNvSpPr>
-          <p:nvPr>
-            <p:ph type="title"/>
-          </p:nvPr>
-        </p:nvSpPr>
-        <p:spPr/>
-        <p:txBody>
-          <a:bodyPr/>
-          <a:lstStyle/>
-          <a:p>
-            <a:endParaRPr lang="ru-RU"/>
-          </a:p>
-        </p:txBody>
-      </p:sp>
-      <p:sp>
-        <p:nvSpPr>
-          <p:cNvPr id="3" name="Объект 2"/>
-          <p:cNvSpPr>
-            <a:spLocks noGrp="1"/>
-          </p:cNvSpPr>
-          <p:nvPr>
-            <p:ph idx="1"/>
-          </p:nvPr>
-        </p:nvSpPr>
-        <p:spPr/>
-        <p:txBody>
-          <a:bodyPr/>
-          <a:lstStyle/>
-          <a:p>
-            <a:endParaRPr lang="ru-RU"/>
-          </a:p>
-        </p:txBody>
-      </p:sp>
-    </p:spTree>
-    <p:extLst>
-      <p:ext uri="{BB962C8B-B14F-4D97-AF65-F5344CB8AC3E}">
-        <p14:creationId xmlns:p14="http://schemas.microsoft.com/office/powerpoint/2010/main" val="2648743283"/>
-      </p:ext>
-    </p:extLst>
-  </p:cSld>
-  <p:clrMapOvr>
-    <a:masterClrMapping/>
-  </p:clrMapOvr>
-</p:sld>
-</file>
-
-<file path=ppt/slides/slide19.xml><?xml version="1.0" encoding="utf-8"?>
-<p:sld xmlns:a="http://schemas.openxmlformats.org/drawingml/2006/main" xmlns:r="http://schemas.openxmlformats.org/officeDocument/2006/relationships" xmlns:p="http://schemas.openxmlformats.org/presentationml/2006/main">
-  <p:cSld>
-    <p:bg>
-      <p:bgPr>
-        <a:blipFill dpi="0" rotWithShape="1">
-          <a:blip r:embed="rId2">
-            <a:alphaModFix amt="50000"/>
-            <a:lum/>
-          </a:blip>
-          <a:srcRect/>
-          <a:stretch>
-            <a:fillRect t="-10000" b="-10000"/>
-          </a:stretch>
-        </a:blipFill>
-        <a:effectLst/>
-      </p:bgPr>
-    </p:bg>
-    <p:spTree>
-      <p:nvGrpSpPr>
-        <p:cNvPr id="1" name=""/>
-        <p:cNvGrpSpPr/>
-        <p:nvPr/>
-      </p:nvGrpSpPr>
-      <p:grpSpPr>
-        <a:xfrm>
-          <a:off x="0" y="0"/>
-          <a:ext cx="0" cy="0"/>
-          <a:chOff x="0" y="0"/>
-          <a:chExt cx="0" cy="0"/>
-        </a:xfrm>
-      </p:grpSpPr>
-      <p:sp>
-        <p:nvSpPr>
-          <p:cNvPr id="2" name="Заголовок 1"/>
-          <p:cNvSpPr>
-            <a:spLocks noGrp="1"/>
-          </p:cNvSpPr>
-          <p:nvPr>
-            <p:ph type="title"/>
-          </p:nvPr>
-        </p:nvSpPr>
-        <p:spPr/>
-        <p:txBody>
-          <a:bodyPr/>
-          <a:lstStyle/>
-          <a:p>
-            <a:endParaRPr lang="ru-RU"/>
-          </a:p>
-        </p:txBody>
-      </p:sp>
-      <p:sp>
-        <p:nvSpPr>
-          <p:cNvPr id="3" name="Объект 2"/>
-          <p:cNvSpPr>
-            <a:spLocks noGrp="1"/>
-          </p:cNvSpPr>
-          <p:nvPr>
-            <p:ph idx="1"/>
-          </p:nvPr>
-        </p:nvSpPr>
-        <p:spPr/>
-        <p:txBody>
-          <a:bodyPr/>
-          <a:lstStyle/>
-          <a:p>
-            <a:endParaRPr lang="ru-RU"/>
-          </a:p>
-        </p:txBody>
-      </p:sp>
-    </p:spTree>
-    <p:extLst>
-      <p:ext uri="{BB962C8B-B14F-4D97-AF65-F5344CB8AC3E}">
-        <p14:creationId xmlns:p14="http://schemas.microsoft.com/office/powerpoint/2010/main" val="4115486523"/>
       </p:ext>
     </p:extLst>
   </p:cSld>
@@ -4159,89 +3309,6 @@
 </p:sld>
 </file>
 
-<file path=ppt/slides/slide20.xml><?xml version="1.0" encoding="utf-8"?>
-<p:sld xmlns:a="http://schemas.openxmlformats.org/drawingml/2006/main" xmlns:r="http://schemas.openxmlformats.org/officeDocument/2006/relationships" xmlns:p="http://schemas.openxmlformats.org/presentationml/2006/main">
-  <p:cSld>
-    <p:bg>
-      <p:bgPr>
-        <a:blipFill dpi="0" rotWithShape="1">
-          <a:blip r:embed="rId2">
-            <a:alphaModFix amt="50000"/>
-            <a:lum/>
-          </a:blip>
-          <a:srcRect/>
-          <a:stretch>
-            <a:fillRect t="-10000" b="-10000"/>
-          </a:stretch>
-        </a:blipFill>
-        <a:effectLst/>
-      </p:bgPr>
-    </p:bg>
-    <p:spTree>
-      <p:nvGrpSpPr>
-        <p:cNvPr id="1" name=""/>
-        <p:cNvGrpSpPr/>
-        <p:nvPr/>
-      </p:nvGrpSpPr>
-      <p:grpSpPr>
-        <a:xfrm>
-          <a:off x="0" y="0"/>
-          <a:ext cx="0" cy="0"/>
-          <a:chOff x="0" y="0"/>
-          <a:chExt cx="0" cy="0"/>
-        </a:xfrm>
-      </p:grpSpPr>
-      <p:sp>
-        <p:nvSpPr>
-          <p:cNvPr id="2" name="Заголовок 1"/>
-          <p:cNvSpPr>
-            <a:spLocks noGrp="1"/>
-          </p:cNvSpPr>
-          <p:nvPr>
-            <p:ph type="title"/>
-          </p:nvPr>
-        </p:nvSpPr>
-        <p:spPr/>
-        <p:txBody>
-          <a:bodyPr/>
-          <a:lstStyle/>
-          <a:p>
-            <a:endParaRPr lang="ru-RU"/>
-          </a:p>
-        </p:txBody>
-      </p:sp>
-      <p:sp>
-        <p:nvSpPr>
-          <p:cNvPr id="3" name="Объект 2"/>
-          <p:cNvSpPr>
-            <a:spLocks noGrp="1"/>
-          </p:cNvSpPr>
-          <p:nvPr>
-            <p:ph idx="1"/>
-          </p:nvPr>
-        </p:nvSpPr>
-        <p:spPr/>
-        <p:txBody>
-          <a:bodyPr/>
-          <a:lstStyle/>
-          <a:p>
-            <a:endParaRPr lang="ru-RU" dirty="0"/>
-          </a:p>
-        </p:txBody>
-      </p:sp>
-    </p:spTree>
-    <p:extLst>
-      <p:ext uri="{BB962C8B-B14F-4D97-AF65-F5344CB8AC3E}">
-        <p14:creationId xmlns:p14="http://schemas.microsoft.com/office/powerpoint/2010/main" val="792748855"/>
-      </p:ext>
-    </p:extLst>
-  </p:cSld>
-  <p:clrMapOvr>
-    <a:masterClrMapping/>
-  </p:clrMapOvr>
-</p:sld>
-</file>
-
 <file path=ppt/slides/slide3.xml><?xml version="1.0" encoding="utf-8"?>
 <p:sld xmlns:a="http://schemas.openxmlformats.org/drawingml/2006/main" xmlns:r="http://schemas.openxmlformats.org/officeDocument/2006/relationships" xmlns:p="http://schemas.openxmlformats.org/presentationml/2006/main">
   <p:cSld>
@@ -4318,11 +3385,7 @@
             </a:pPr>
             <a:r>
               <a:rPr lang="ru-RU" dirty="0" smtClean="0"/>
-              <a:t>В нашем проекте задумывалась реализация интерактивной программы, позволяющей использовать ее, как простой способ визуализироват</a:t>
-            </a:r>
-            <a:r>
-              <a:rPr lang="ru-RU" dirty="0" smtClean="0"/>
-              <a:t>ь «Жизнь»</a:t>
+              <a:t>В нашем проекте задумывалась реализация интерактивной программы, позволяющей использовать ее, как простой способ визуализировать «Жизнь»</a:t>
             </a:r>
             <a:r>
               <a:rPr lang="en-US" dirty="0"/>
@@ -4443,11 +3506,7 @@
             </a:r>
             <a:r>
               <a:rPr lang="ru-RU" dirty="0" smtClean="0"/>
-              <a:t>загружать </a:t>
-            </a:r>
-            <a:r>
-              <a:rPr lang="ru-RU" dirty="0" smtClean="0"/>
-              <a:t>заготовленные структуры клеток из файла</a:t>
+              <a:t>загружать заготовленные структуры клеток из файла</a:t>
             </a:r>
           </a:p>
           <a:p>
@@ -4546,7 +3605,7 @@
         </p:spPr>
         <p:txBody>
           <a:bodyPr>
-            <a:normAutofit lnSpcReduction="10000"/>
+            <a:normAutofit/>
           </a:bodyPr>
           <a:lstStyle/>
           <a:p>
@@ -4554,76 +3613,121 @@
               <a:buNone/>
             </a:pPr>
             <a:r>
-              <a:rPr lang="ru-RU" dirty="0" smtClean="0"/>
+              <a:rPr lang="ru-RU" sz="2000" dirty="0" smtClean="0"/>
               <a:t>Программа имеет модульную структуру и состоит из следующих основных модулей</a:t>
             </a:r>
           </a:p>
           <a:p>
             <a:r>
-              <a:rPr lang="en-US" dirty="0" smtClean="0"/>
-              <a:t>Game_of_life</a:t>
-            </a:r>
-            <a:r>
-              <a:rPr lang="en-US" dirty="0" smtClean="0"/>
-              <a:t>1_main – </a:t>
-            </a:r>
-            <a:r>
-              <a:rPr lang="ru-RU" dirty="0" smtClean="0"/>
+              <a:rPr lang="en-US" sz="2000" dirty="0" smtClean="0"/>
+              <a:t>Game_of_life1_main – </a:t>
+            </a:r>
+            <a:r>
+              <a:rPr lang="ru-RU" sz="2000" dirty="0" smtClean="0"/>
               <a:t>главный модуль в котором происходит объединение всех модулей. В нем запускается модуль меню, подключается модуль необходимых функций и идет визуализация «жизни» вместе с обработкой событий.</a:t>
             </a:r>
           </a:p>
           <a:p>
             <a:r>
-              <a:rPr lang="en-US" dirty="0" err="1" smtClean="0"/>
+              <a:rPr lang="en-US" sz="2000" dirty="0" err="1" smtClean="0"/>
               <a:t>Game_functions</a:t>
             </a:r>
             <a:r>
-              <a:rPr lang="en-US" dirty="0" smtClean="0"/>
+              <a:rPr lang="en-US" sz="2000" dirty="0" smtClean="0"/>
               <a:t>. </a:t>
             </a:r>
             <a:r>
-              <a:rPr lang="ru-RU" dirty="0" smtClean="0"/>
+              <a:rPr lang="ru-RU" sz="2000" dirty="0" smtClean="0"/>
               <a:t>В нем хранится класс, объединяющий в себе основные пользовательские и служебные функции необходимые для работы и визуализации «жизни».</a:t>
             </a:r>
           </a:p>
           <a:p>
             <a:r>
-              <a:rPr lang="en-US" dirty="0" err="1" smtClean="0"/>
+              <a:rPr lang="en-US" sz="2000" dirty="0" err="1" smtClean="0"/>
               <a:t>Life_algorithms</a:t>
             </a:r>
             <a:r>
-              <a:rPr lang="en-US" dirty="0" smtClean="0"/>
+              <a:rPr lang="en-US" sz="2000" dirty="0" smtClean="0"/>
               <a:t>. </a:t>
             </a:r>
             <a:r>
-              <a:rPr lang="ru-RU" dirty="0" smtClean="0"/>
+              <a:rPr lang="ru-RU" sz="2000" dirty="0" smtClean="0"/>
               <a:t>Ядро программы. В нем хранится функция формирующая новое поколение клеток</a:t>
             </a:r>
           </a:p>
           <a:p>
             <a:r>
-              <a:rPr lang="ru-RU" dirty="0" smtClean="0"/>
+              <a:rPr lang="ru-RU" sz="2000" dirty="0" smtClean="0"/>
               <a:t> </a:t>
             </a:r>
             <a:r>
-              <a:rPr lang="en-US" dirty="0" err="1" smtClean="0"/>
+              <a:rPr lang="en-US" sz="2000" dirty="0" err="1" smtClean="0"/>
               <a:t>Menu_of_game</a:t>
             </a:r>
             <a:r>
-              <a:rPr lang="en-US" dirty="0" smtClean="0"/>
+              <a:rPr lang="en-US" sz="2000" dirty="0" smtClean="0"/>
               <a:t> – </a:t>
             </a:r>
             <a:r>
-              <a:rPr lang="ru-RU" dirty="0"/>
-              <a:t>модуль для </a:t>
-            </a:r>
-            <a:r>
-              <a:rPr lang="ru-RU" dirty="0" smtClean="0"/>
-              <a:t>отображения меню программы.</a:t>
-            </a:r>
-          </a:p>
-          <a:p>
-            <a:endParaRPr lang="ru-RU" dirty="0"/>
+              <a:rPr lang="ru-RU" sz="2000" dirty="0"/>
+              <a:t>М</a:t>
+            </a:r>
+            <a:r>
+              <a:rPr lang="ru-RU" sz="2000" dirty="0" smtClean="0"/>
+              <a:t>одуль </a:t>
+            </a:r>
+            <a:r>
+              <a:rPr lang="ru-RU" sz="2000" dirty="0"/>
+              <a:t>для </a:t>
+            </a:r>
+            <a:r>
+              <a:rPr lang="ru-RU" sz="2000" dirty="0" smtClean="0"/>
+              <a:t>отображения меню программы</a:t>
+            </a:r>
+            <a:r>
+              <a:rPr lang="ru-RU" sz="2000" dirty="0" smtClean="0"/>
+              <a:t>. </a:t>
+            </a:r>
+            <a:r>
+              <a:rPr lang="ru-RU" sz="2000" dirty="0" smtClean="0"/>
+              <a:t>В частности </a:t>
+            </a:r>
+            <a:r>
+              <a:rPr lang="ru-RU" sz="2000" dirty="0" err="1" smtClean="0"/>
+              <a:t>отрисовывает</a:t>
+            </a:r>
+            <a:r>
+              <a:rPr lang="ru-RU" sz="2000" dirty="0" smtClean="0"/>
+              <a:t> настройки</a:t>
+            </a:r>
+            <a:endParaRPr lang="ru-RU" sz="2000" dirty="0" smtClean="0"/>
+          </a:p>
+          <a:p>
+            <a:r>
+              <a:rPr lang="en-US" sz="2000" dirty="0" err="1" smtClean="0"/>
+              <a:t>Game_languages</a:t>
+            </a:r>
+            <a:r>
+              <a:rPr lang="ru-RU" sz="2000" dirty="0" smtClean="0"/>
+              <a:t> </a:t>
+            </a:r>
+            <a:r>
+              <a:rPr lang="en-US" sz="2000" dirty="0" smtClean="0"/>
+              <a:t>–</a:t>
+            </a:r>
+            <a:r>
+              <a:rPr lang="ru-RU" sz="2000" dirty="0" smtClean="0"/>
+              <a:t> В нем хранятся подписи кнопок на 2-я языках</a:t>
+            </a:r>
+            <a:r>
+              <a:rPr lang="en-US" sz="2000" dirty="0" smtClean="0"/>
+              <a:t>:</a:t>
+            </a:r>
+            <a:r>
+              <a:rPr lang="ru-RU" sz="2000" dirty="0" smtClean="0"/>
+              <a:t> русском и английском</a:t>
+            </a:r>
+            <a:endParaRPr lang="ru-RU" sz="2000" dirty="0"/>
           </a:p>
         </p:txBody>
       </p:sp>
@@ -4687,7 +3791,11 @@
           <a:bodyPr/>
           <a:lstStyle/>
           <a:p>
-            <a:endParaRPr lang="ru-RU"/>
+            <a:r>
+              <a:rPr lang="ru-RU" dirty="0" smtClean="0"/>
+              <a:t>Проблемы с которыми столкнулись</a:t>
+            </a:r>
+            <a:endParaRPr lang="ru-RU" dirty="0"/>
           </a:p>
         </p:txBody>
       </p:sp>
@@ -4706,7 +3814,19 @@
           <a:bodyPr/>
           <a:lstStyle/>
           <a:p>
-            <a:endParaRPr lang="ru-RU"/>
+            <a:r>
+              <a:rPr lang="ru-RU" dirty="0" smtClean="0"/>
+              <a:t>     В одной из начальных версий программы, </a:t>
+            </a:r>
+            <a:r>
+              <a:rPr lang="ru-RU" dirty="0" err="1" smtClean="0"/>
+              <a:t>отрисовка</a:t>
+            </a:r>
+            <a:r>
+              <a:rPr lang="ru-RU" dirty="0" smtClean="0"/>
+              <a:t> меню была реализована нерационально, при нажатии каждого пункта меню запускалась новая функция в уже запущенной, переполнялся стек. Поэтому в последующей версии это было исправлено. Теперь при выходе из пункта меню, функция отвечающая за этот пункт завершается.</a:t>
+            </a:r>
+            <a:endParaRPr lang="ru-RU" dirty="0"/>
           </a:p>
         </p:txBody>
       </p:sp>
@@ -4770,7 +3890,11 @@
           <a:bodyPr/>
           <a:lstStyle/>
           <a:p>
-            <a:endParaRPr lang="ru-RU"/>
+            <a:r>
+              <a:rPr lang="ru-RU" dirty="0" smtClean="0"/>
+              <a:t>Проблемы с которыми столкнулись</a:t>
+            </a:r>
+            <a:endParaRPr lang="ru-RU" dirty="0"/>
           </a:p>
         </p:txBody>
       </p:sp>
@@ -4789,7 +3913,23 @@
           <a:bodyPr/>
           <a:lstStyle/>
           <a:p>
-            <a:endParaRPr lang="ru-RU"/>
+            <a:r>
+              <a:rPr lang="ru-RU" dirty="0" smtClean="0"/>
+              <a:t>     Возникли определённые трудности при написании алгоритма, необходимого для получения координат клеток для </a:t>
+            </a:r>
+            <a:r>
+              <a:rPr lang="ru-RU" dirty="0" err="1" smtClean="0"/>
+              <a:t>отрисовки</a:t>
+            </a:r>
+            <a:r>
+              <a:rPr lang="ru-RU" dirty="0" smtClean="0"/>
+              <a:t> их на экране</a:t>
+            </a:r>
+            <a:r>
+              <a:rPr lang="ru-RU" dirty="0"/>
+              <a:t>.</a:t>
+            </a:r>
+            <a:endParaRPr lang="ru-RU" dirty="0"/>
           </a:p>
         </p:txBody>
       </p:sp>
@@ -4797,172 +3937,6 @@
     <p:extLst>
       <p:ext uri="{BB962C8B-B14F-4D97-AF65-F5344CB8AC3E}">
         <p14:creationId xmlns:p14="http://schemas.microsoft.com/office/powerpoint/2010/main" val="3144939932"/>
-      </p:ext>
-    </p:extLst>
-  </p:cSld>
-  <p:clrMapOvr>
-    <a:masterClrMapping/>
-  </p:clrMapOvr>
-</p:sld>
-</file>
-
-<file path=ppt/slides/slide8.xml><?xml version="1.0" encoding="utf-8"?>
-<p:sld xmlns:a="http://schemas.openxmlformats.org/drawingml/2006/main" xmlns:r="http://schemas.openxmlformats.org/officeDocument/2006/relationships" xmlns:p="http://schemas.openxmlformats.org/presentationml/2006/main">
-  <p:cSld>
-    <p:bg>
-      <p:bgPr>
-        <a:blipFill dpi="0" rotWithShape="1">
-          <a:blip r:embed="rId2">
-            <a:alphaModFix amt="50000"/>
-            <a:lum/>
-          </a:blip>
-          <a:srcRect/>
-          <a:stretch>
-            <a:fillRect t="-10000" b="-10000"/>
-          </a:stretch>
-        </a:blipFill>
-        <a:effectLst/>
-      </p:bgPr>
-    </p:bg>
-    <p:spTree>
-      <p:nvGrpSpPr>
-        <p:cNvPr id="1" name=""/>
-        <p:cNvGrpSpPr/>
-        <p:nvPr/>
-      </p:nvGrpSpPr>
-      <p:grpSpPr>
-        <a:xfrm>
-          <a:off x="0" y="0"/>
-          <a:ext cx="0" cy="0"/>
-          <a:chOff x="0" y="0"/>
-          <a:chExt cx="0" cy="0"/>
-        </a:xfrm>
-      </p:grpSpPr>
-      <p:sp>
-        <p:nvSpPr>
-          <p:cNvPr id="2" name="Заголовок 1"/>
-          <p:cNvSpPr>
-            <a:spLocks noGrp="1"/>
-          </p:cNvSpPr>
-          <p:nvPr>
-            <p:ph type="title"/>
-          </p:nvPr>
-        </p:nvSpPr>
-        <p:spPr/>
-        <p:txBody>
-          <a:bodyPr/>
-          <a:lstStyle/>
-          <a:p>
-            <a:endParaRPr lang="ru-RU"/>
-          </a:p>
-        </p:txBody>
-      </p:sp>
-      <p:sp>
-        <p:nvSpPr>
-          <p:cNvPr id="3" name="Объект 2"/>
-          <p:cNvSpPr>
-            <a:spLocks noGrp="1"/>
-          </p:cNvSpPr>
-          <p:nvPr>
-            <p:ph idx="1"/>
-          </p:nvPr>
-        </p:nvSpPr>
-        <p:spPr/>
-        <p:txBody>
-          <a:bodyPr/>
-          <a:lstStyle/>
-          <a:p>
-            <a:endParaRPr lang="ru-RU"/>
-          </a:p>
-        </p:txBody>
-      </p:sp>
-    </p:spTree>
-    <p:extLst>
-      <p:ext uri="{BB962C8B-B14F-4D97-AF65-F5344CB8AC3E}">
-        <p14:creationId xmlns:p14="http://schemas.microsoft.com/office/powerpoint/2010/main" val="1009137978"/>
-      </p:ext>
-    </p:extLst>
-  </p:cSld>
-  <p:clrMapOvr>
-    <a:masterClrMapping/>
-  </p:clrMapOvr>
-</p:sld>
-</file>
-
-<file path=ppt/slides/slide9.xml><?xml version="1.0" encoding="utf-8"?>
-<p:sld xmlns:a="http://schemas.openxmlformats.org/drawingml/2006/main" xmlns:r="http://schemas.openxmlformats.org/officeDocument/2006/relationships" xmlns:p="http://schemas.openxmlformats.org/presentationml/2006/main">
-  <p:cSld>
-    <p:bg>
-      <p:bgPr>
-        <a:blipFill dpi="0" rotWithShape="1">
-          <a:blip r:embed="rId2">
-            <a:alphaModFix amt="50000"/>
-            <a:lum/>
-          </a:blip>
-          <a:srcRect/>
-          <a:stretch>
-            <a:fillRect t="-10000" b="-10000"/>
-          </a:stretch>
-        </a:blipFill>
-        <a:effectLst/>
-      </p:bgPr>
-    </p:bg>
-    <p:spTree>
-      <p:nvGrpSpPr>
-        <p:cNvPr id="1" name=""/>
-        <p:cNvGrpSpPr/>
-        <p:nvPr/>
-      </p:nvGrpSpPr>
-      <p:grpSpPr>
-        <a:xfrm>
-          <a:off x="0" y="0"/>
-          <a:ext cx="0" cy="0"/>
-          <a:chOff x="0" y="0"/>
-          <a:chExt cx="0" cy="0"/>
-        </a:xfrm>
-      </p:grpSpPr>
-      <p:sp>
-        <p:nvSpPr>
-          <p:cNvPr id="2" name="Заголовок 1"/>
-          <p:cNvSpPr>
-            <a:spLocks noGrp="1"/>
-          </p:cNvSpPr>
-          <p:nvPr>
-            <p:ph type="title"/>
-          </p:nvPr>
-        </p:nvSpPr>
-        <p:spPr/>
-        <p:txBody>
-          <a:bodyPr/>
-          <a:lstStyle/>
-          <a:p>
-            <a:endParaRPr lang="ru-RU"/>
-          </a:p>
-        </p:txBody>
-      </p:sp>
-      <p:sp>
-        <p:nvSpPr>
-          <p:cNvPr id="3" name="Объект 2"/>
-          <p:cNvSpPr>
-            <a:spLocks noGrp="1"/>
-          </p:cNvSpPr>
-          <p:nvPr>
-            <p:ph idx="1"/>
-          </p:nvPr>
-        </p:nvSpPr>
-        <p:spPr/>
-        <p:txBody>
-          <a:bodyPr/>
-          <a:lstStyle/>
-          <a:p>
-            <a:endParaRPr lang="ru-RU"/>
-          </a:p>
-        </p:txBody>
-      </p:sp>
-    </p:spTree>
-    <p:extLst>
-      <p:ext uri="{BB962C8B-B14F-4D97-AF65-F5344CB8AC3E}">
-        <p14:creationId xmlns:p14="http://schemas.microsoft.com/office/powerpoint/2010/main" val="4035816270"/>
       </p:ext>
     </p:extLst>
   </p:cSld>
